--- a/topic12/talk-1/Testing-Web-APIs.pptx
+++ b/topic12/talk-1/Testing-Web-APIs.pptx
@@ -3307,14 +3307,6 @@
             </a:r>
           </a:p>
           <a:p>
-            <a:r>
-              <a:rPr lang="en-IE" dirty="0"/>
-              <a:t>B.Sc</a:t>
-            </a:r>
-            <a:r>
-              <a:rPr lang="en-IE"/>
-              <a:t>.(hons) IT,  Y4</a:t>
-            </a:r>
             <a:endParaRPr lang="en-IE" dirty="0"/>
           </a:p>
         </p:txBody>
